--- a/DashBoard_СолодиловВВ_PT.pptx
+++ b/DashBoard_СолодиловВВ_PT.pptx
@@ -220,7 +220,7 @@
             <a:solidFill>
               <a:schemeClr val="accent3"/>
             </a:solidFill>
-            <a:ln w="31750">
+            <a:ln w="19050">
               <a:solidFill>
                 <a:schemeClr val="tx1"/>
               </a:solidFill>
@@ -311,7 +311,7 @@
             <a:solidFill>
               <a:schemeClr val="accent1"/>
             </a:solidFill>
-            <a:ln w="31750">
+            <a:ln w="19050">
               <a:solidFill>
                 <a:schemeClr val="tx1"/>
               </a:solidFill>
@@ -402,7 +402,7 @@
             <a:solidFill>
               <a:schemeClr val="accent2"/>
             </a:solidFill>
-            <a:ln w="31750">
+            <a:ln w="19050">
               <a:solidFill>
                 <a:schemeClr val="tx1"/>
               </a:solidFill>
@@ -493,7 +493,7 @@
             <a:solidFill>
               <a:schemeClr val="accent4"/>
             </a:solidFill>
-            <a:ln w="31750">
+            <a:ln w="19050">
               <a:solidFill>
                 <a:schemeClr val="tx1"/>
               </a:solidFill>
@@ -6962,7 +6962,7 @@
           <p:nvPr>
             <p:extLst>
               <p:ext uri="{D42A27DB-BD31-4B8C-83A1-F6EECF244321}">
-                <p14:modId xmlns:p14="http://schemas.microsoft.com/office/powerpoint/2010/main" val="105382752"/>
+                <p14:modId xmlns:p14="http://schemas.microsoft.com/office/powerpoint/2010/main" val="448337566"/>
               </p:ext>
             </p:extLst>
           </p:nvPr>
@@ -8443,7 +8443,7 @@
         </p:blipFill>
         <p:spPr>
           <a:xfrm>
-            <a:off x="8437671" y="419133"/>
+            <a:off x="8437671" y="336152"/>
             <a:ext cx="1389442" cy="1454068"/>
           </a:xfrm>
           <a:prstGeom prst="rect">
@@ -8468,13 +8468,13 @@
           <p:nvPr>
             <p:extLst>
               <p:ext uri="{D42A27DB-BD31-4B8C-83A1-F6EECF244321}">
-                <p14:modId xmlns:p14="http://schemas.microsoft.com/office/powerpoint/2010/main" val="2857815359"/>
+                <p14:modId xmlns:p14="http://schemas.microsoft.com/office/powerpoint/2010/main" val="7206862"/>
               </p:ext>
             </p:extLst>
           </p:nvPr>
         </p:nvGraphicFramePr>
         <p:xfrm>
-          <a:off x="8437671" y="2043857"/>
+          <a:off x="8437671" y="1956815"/>
           <a:ext cx="1389442" cy="952500"/>
         </p:xfrm>
         <a:graphic>

--- a/DashBoard_СолодиловВВ_PT.pptx
+++ b/DashBoard_СолодиловВВ_PT.pptx
@@ -7467,13 +7467,6 @@
                         </a:rPr>
                         <a:t>1 977 271</a:t>
                       </a:r>
-                      <a:endParaRPr lang="ru-RU" sz="1400" b="0" i="1" u="none" strike="noStrike" dirty="0" smtClean="0">
-                        <a:solidFill>
-                          <a:srgbClr val="000000"/>
-                        </a:solidFill>
-                        <a:effectLst/>
-                        <a:latin typeface="Calibri" panose="020F0502020204030204" pitchFamily="34" charset="0"/>
-                      </a:endParaRPr>
                     </a:p>
                   </a:txBody>
                   <a:tcPr marL="9525" marR="9525" marT="9525" marB="0" anchor="b"/>
@@ -7494,13 +7487,6 @@
                         </a:rPr>
                         <a:t>1 450 507</a:t>
                       </a:r>
-                      <a:endParaRPr lang="ru-RU" sz="1400" b="0" i="1" u="none" strike="noStrike" dirty="0" smtClean="0">
-                        <a:solidFill>
-                          <a:srgbClr val="000000"/>
-                        </a:solidFill>
-                        <a:effectLst/>
-                        <a:latin typeface="Calibri" panose="020F0502020204030204" pitchFamily="34" charset="0"/>
-                      </a:endParaRPr>
                     </a:p>
                   </a:txBody>
                   <a:tcPr marL="9525" marR="9525" marT="9525" marB="0" anchor="b"/>
@@ -7521,13 +7507,6 @@
                         </a:rPr>
                         <a:t>6 087 278</a:t>
                       </a:r>
-                      <a:endParaRPr lang="ru-RU" sz="1400" b="0" i="1" u="none" strike="noStrike" dirty="0" smtClean="0">
-                        <a:solidFill>
-                          <a:srgbClr val="000000"/>
-                        </a:solidFill>
-                        <a:effectLst/>
-                        <a:latin typeface="Calibri" panose="020F0502020204030204" pitchFamily="34" charset="0"/>
-                      </a:endParaRPr>
                     </a:p>
                   </a:txBody>
                   <a:tcPr marL="9525" marR="9525" marT="9525" marB="0" anchor="b"/>
@@ -7548,13 +7527,6 @@
                         </a:rPr>
                         <a:t>4 253 478</a:t>
                       </a:r>
-                      <a:endParaRPr lang="ru-RU" sz="1400" b="0" i="1" u="none" strike="noStrike" dirty="0" smtClean="0">
-                        <a:solidFill>
-                          <a:srgbClr val="000000"/>
-                        </a:solidFill>
-                        <a:effectLst/>
-                        <a:latin typeface="Calibri" panose="020F0502020204030204" pitchFamily="34" charset="0"/>
-                      </a:endParaRPr>
                     </a:p>
                   </a:txBody>
                   <a:tcPr marL="9525" marR="9525" marT="9525" marB="0" anchor="b"/>
@@ -8218,9 +8190,6 @@
                         </a:rPr>
                         <a:t>Разрешение</a:t>
                       </a:r>
-                      <a:endParaRPr lang="ru-RU" sz="1400" i="1" u="none" strike="noStrike" dirty="0" smtClean="0">
-                        <a:effectLst/>
-                      </a:endParaRPr>
                     </a:p>
                   </a:txBody>
                   <a:tcPr marL="9525" marR="9525" marT="9525" marB="0" anchor="b"/>
@@ -8333,9 +8302,6 @@
                         </a:rPr>
                         <a:t>Страна-производитель</a:t>
                       </a:r>
-                      <a:endParaRPr lang="ru-RU" sz="1400" i="1" u="none" strike="noStrike" dirty="0" smtClean="0">
-                        <a:effectLst/>
-                      </a:endParaRPr>
                     </a:p>
                   </a:txBody>
                   <a:tcPr marL="9525" marR="9525" marT="9525" marB="0" anchor="b"/>
@@ -8443,7 +8409,7 @@
         </p:blipFill>
         <p:spPr>
           <a:xfrm>
-            <a:off x="8437671" y="336152"/>
+            <a:off x="8437671" y="332091"/>
             <a:ext cx="1389442" cy="1454068"/>
           </a:xfrm>
           <a:prstGeom prst="rect">
@@ -8468,7 +8434,7 @@
           <p:nvPr>
             <p:extLst>
               <p:ext uri="{D42A27DB-BD31-4B8C-83A1-F6EECF244321}">
-                <p14:modId xmlns:p14="http://schemas.microsoft.com/office/powerpoint/2010/main" val="7206862"/>
+                <p14:modId xmlns:p14="http://schemas.microsoft.com/office/powerpoint/2010/main" val="98032545"/>
               </p:ext>
             </p:extLst>
           </p:nvPr>
@@ -8624,6 +8590,36 @@
           </a:graphicData>
         </a:graphic>
       </p:graphicFrame>
+      <p:pic>
+        <p:nvPicPr>
+          <p:cNvPr id="2" name="Рисунок 1"/>
+          <p:cNvPicPr>
+            <a:picLocks noChangeAspect="1"/>
+          </p:cNvPicPr>
+          <p:nvPr/>
+        </p:nvPicPr>
+        <p:blipFill>
+          <a:blip r:embed="rId7" cstate="print">
+            <a:extLst>
+              <a:ext uri="{28A0092B-C50C-407E-A947-70E740481C1C}">
+                <a14:useLocalDpi xmlns:a14="http://schemas.microsoft.com/office/drawing/2010/main" val="0"/>
+              </a:ext>
+            </a:extLst>
+          </a:blip>
+          <a:stretch>
+            <a:fillRect/>
+          </a:stretch>
+        </p:blipFill>
+        <p:spPr>
+          <a:xfrm>
+            <a:off x="5857822" y="522266"/>
+            <a:ext cx="2032073" cy="2259665"/>
+          </a:xfrm>
+          <a:prstGeom prst="rect">
+            <a:avLst/>
+          </a:prstGeom>
+        </p:spPr>
+      </p:pic>
     </p:spTree>
     <p:extLst>
       <p:ext uri="{BB962C8B-B14F-4D97-AF65-F5344CB8AC3E}">

--- a/DashBoard_СолодиловВВ_PT.pptx
+++ b/DashBoard_СолодиловВВ_PT.pptx
@@ -150,7 +150,7 @@
             </a:pPr>
             <a:r>
               <a:rPr lang="ru-RU" sz="1400" i="1" dirty="0" smtClean="0"/>
-              <a:t>Гистограмма</a:t>
+              <a:t>Гистограмма кликов</a:t>
             </a:r>
             <a:endParaRPr lang="ru-RU" sz="1400" i="1" dirty="0"/>
           </a:p>
@@ -160,7 +160,7 @@
         <c:manualLayout>
           <c:xMode val="edge"/>
           <c:yMode val="edge"/>
-          <c:x val="0.38997545364494324"/>
+          <c:x val="0.33813420488314633"/>
           <c:y val="0"/>
         </c:manualLayout>
       </c:layout>
@@ -596,7 +596,7 @@
             <c:v>ФР (Сентябрь)</c:v>
           </c:tx>
           <c:spPr>
-            <a:ln w="38100" cap="rnd">
+            <a:ln w="31750" cap="rnd">
               <a:solidFill>
                 <a:srgbClr val="FF0000"/>
               </a:solidFill>
@@ -605,7 +605,19 @@
             <a:effectLst/>
           </c:spPr>
           <c:marker>
-            <c:symbol val="none"/>
+            <c:symbol val="circle"/>
+            <c:size val="4"/>
+            <c:spPr>
+              <a:solidFill>
+                <a:srgbClr val="FF0000"/>
+              </a:solidFill>
+              <a:ln w="9525">
+                <a:solidFill>
+                  <a:srgbClr val="FF0000"/>
+                </a:solidFill>
+              </a:ln>
+              <a:effectLst/>
+            </c:spPr>
           </c:marker>
           <c:cat>
             <c:numRef>
@@ -687,7 +699,7 @@
             <c:v>ФР (Октябрь)</c:v>
           </c:tx>
           <c:spPr>
-            <a:ln w="38100" cap="rnd">
+            <a:ln w="31750" cap="rnd">
               <a:solidFill>
                 <a:schemeClr val="tx1"/>
               </a:solidFill>
@@ -696,7 +708,19 @@
             <a:effectLst/>
           </c:spPr>
           <c:marker>
-            <c:symbol val="none"/>
+            <c:symbol val="circle"/>
+            <c:size val="4"/>
+            <c:spPr>
+              <a:solidFill>
+                <a:schemeClr val="tx1"/>
+              </a:solidFill>
+              <a:ln w="9525">
+                <a:solidFill>
+                  <a:schemeClr val="tx1"/>
+                </a:solidFill>
+              </a:ln>
+              <a:effectLst/>
+            </c:spPr>
           </c:marker>
           <c:cat>
             <c:numRef>
@@ -778,7 +802,7 @@
             <c:v>ФР (Ноябрь)</c:v>
           </c:tx>
           <c:spPr>
-            <a:ln w="38100" cap="rnd">
+            <a:ln w="31750" cap="rnd">
               <a:solidFill>
                 <a:schemeClr val="accent2">
                   <a:lumMod val="50000"/>
@@ -789,7 +813,23 @@
             <a:effectLst/>
           </c:spPr>
           <c:marker>
-            <c:symbol val="none"/>
+            <c:symbol val="circle"/>
+            <c:size val="4"/>
+            <c:spPr>
+              <a:solidFill>
+                <a:schemeClr val="accent2">
+                  <a:lumMod val="50000"/>
+                </a:schemeClr>
+              </a:solidFill>
+              <a:ln w="9525">
+                <a:solidFill>
+                  <a:schemeClr val="accent2">
+                    <a:lumMod val="50000"/>
+                  </a:schemeClr>
+                </a:solidFill>
+              </a:ln>
+              <a:effectLst/>
+            </c:spPr>
           </c:marker>
           <c:cat>
             <c:numRef>
@@ -871,7 +911,7 @@
             <c:v>ФР (Декабрь)</c:v>
           </c:tx>
           <c:spPr>
-            <a:ln w="38100" cap="rnd">
+            <a:ln w="31750" cap="rnd">
               <a:solidFill>
                 <a:schemeClr val="accent6">
                   <a:lumMod val="50000"/>
@@ -882,7 +922,23 @@
             <a:effectLst/>
           </c:spPr>
           <c:marker>
-            <c:symbol val="none"/>
+            <c:symbol val="circle"/>
+            <c:size val="4"/>
+            <c:spPr>
+              <a:solidFill>
+                <a:schemeClr val="accent6">
+                  <a:lumMod val="50000"/>
+                </a:schemeClr>
+              </a:solidFill>
+              <a:ln w="9525">
+                <a:solidFill>
+                  <a:schemeClr val="accent6">
+                    <a:lumMod val="50000"/>
+                  </a:schemeClr>
+                </a:solidFill>
+              </a:ln>
+              <a:effectLst/>
+            </c:spPr>
           </c:marker>
           <c:cat>
             <c:numRef>
@@ -964,7 +1020,7 @@
             <c:v>ФР (Общая)</c:v>
           </c:tx>
           <c:spPr>
-            <a:ln w="38100" cap="rnd">
+            <a:ln w="31750" cap="rnd">
               <a:solidFill>
                 <a:schemeClr val="accent1">
                   <a:lumMod val="75000"/>
@@ -975,7 +1031,23 @@
             <a:effectLst/>
           </c:spPr>
           <c:marker>
-            <c:symbol val="none"/>
+            <c:symbol val="circle"/>
+            <c:size val="4"/>
+            <c:spPr>
+              <a:solidFill>
+                <a:schemeClr val="accent1">
+                  <a:lumMod val="75000"/>
+                </a:schemeClr>
+              </a:solidFill>
+              <a:ln w="9525">
+                <a:solidFill>
+                  <a:schemeClr val="accent1">
+                    <a:lumMod val="75000"/>
+                  </a:schemeClr>
+                </a:solidFill>
+              </a:ln>
+              <a:effectLst/>
+            </c:spPr>
           </c:marker>
           <c:cat>
             <c:numRef>
@@ -3826,7 +3898,7 @@
           <a:p>
             <a:fld id="{5DB7E21D-793B-4737-9996-3A93C2AAF14E}" type="datetimeFigureOut">
               <a:rPr lang="ru-RU" smtClean="0"/>
-              <a:t>23.12.2022</a:t>
+              <a:t>24.12.2022</a:t>
             </a:fld>
             <a:endParaRPr lang="ru-RU"/>
           </a:p>
@@ -4225,7 +4297,7 @@
           <a:p>
             <a:fld id="{25F71D23-4195-46CC-8F3D-7E373298426C}" type="datetimeFigureOut">
               <a:rPr lang="ru-RU" smtClean="0"/>
-              <a:t>23.12.2022</a:t>
+              <a:t>24.12.2022</a:t>
             </a:fld>
             <a:endParaRPr lang="ru-RU"/>
           </a:p>
@@ -4395,7 +4467,7 @@
           <a:p>
             <a:fld id="{25F71D23-4195-46CC-8F3D-7E373298426C}" type="datetimeFigureOut">
               <a:rPr lang="ru-RU" smtClean="0"/>
-              <a:t>23.12.2022</a:t>
+              <a:t>24.12.2022</a:t>
             </a:fld>
             <a:endParaRPr lang="ru-RU"/>
           </a:p>
@@ -4575,7 +4647,7 @@
           <a:p>
             <a:fld id="{25F71D23-4195-46CC-8F3D-7E373298426C}" type="datetimeFigureOut">
               <a:rPr lang="ru-RU" smtClean="0"/>
-              <a:t>23.12.2022</a:t>
+              <a:t>24.12.2022</a:t>
             </a:fld>
             <a:endParaRPr lang="ru-RU"/>
           </a:p>
@@ -4745,7 +4817,7 @@
           <a:p>
             <a:fld id="{25F71D23-4195-46CC-8F3D-7E373298426C}" type="datetimeFigureOut">
               <a:rPr lang="ru-RU" smtClean="0"/>
-              <a:t>23.12.2022</a:t>
+              <a:t>24.12.2022</a:t>
             </a:fld>
             <a:endParaRPr lang="ru-RU"/>
           </a:p>
@@ -4989,7 +5061,7 @@
           <a:p>
             <a:fld id="{25F71D23-4195-46CC-8F3D-7E373298426C}" type="datetimeFigureOut">
               <a:rPr lang="ru-RU" smtClean="0"/>
-              <a:t>23.12.2022</a:t>
+              <a:t>24.12.2022</a:t>
             </a:fld>
             <a:endParaRPr lang="ru-RU"/>
           </a:p>
@@ -5221,7 +5293,7 @@
           <a:p>
             <a:fld id="{25F71D23-4195-46CC-8F3D-7E373298426C}" type="datetimeFigureOut">
               <a:rPr lang="ru-RU" smtClean="0"/>
-              <a:t>23.12.2022</a:t>
+              <a:t>24.12.2022</a:t>
             </a:fld>
             <a:endParaRPr lang="ru-RU"/>
           </a:p>
@@ -5588,7 +5660,7 @@
           <a:p>
             <a:fld id="{25F71D23-4195-46CC-8F3D-7E373298426C}" type="datetimeFigureOut">
               <a:rPr lang="ru-RU" smtClean="0"/>
-              <a:t>23.12.2022</a:t>
+              <a:t>24.12.2022</a:t>
             </a:fld>
             <a:endParaRPr lang="ru-RU"/>
           </a:p>
@@ -5706,7 +5778,7 @@
           <a:p>
             <a:fld id="{25F71D23-4195-46CC-8F3D-7E373298426C}" type="datetimeFigureOut">
               <a:rPr lang="ru-RU" smtClean="0"/>
-              <a:t>23.12.2022</a:t>
+              <a:t>24.12.2022</a:t>
             </a:fld>
             <a:endParaRPr lang="ru-RU"/>
           </a:p>
@@ -5801,7 +5873,7 @@
           <a:p>
             <a:fld id="{25F71D23-4195-46CC-8F3D-7E373298426C}" type="datetimeFigureOut">
               <a:rPr lang="ru-RU" smtClean="0"/>
-              <a:t>23.12.2022</a:t>
+              <a:t>24.12.2022</a:t>
             </a:fld>
             <a:endParaRPr lang="ru-RU"/>
           </a:p>
@@ -6078,7 +6150,7 @@
           <a:p>
             <a:fld id="{25F71D23-4195-46CC-8F3D-7E373298426C}" type="datetimeFigureOut">
               <a:rPr lang="ru-RU" smtClean="0"/>
-              <a:t>23.12.2022</a:t>
+              <a:t>24.12.2022</a:t>
             </a:fld>
             <a:endParaRPr lang="ru-RU"/>
           </a:p>
@@ -6335,7 +6407,7 @@
           <a:p>
             <a:fld id="{25F71D23-4195-46CC-8F3D-7E373298426C}" type="datetimeFigureOut">
               <a:rPr lang="ru-RU" smtClean="0"/>
-              <a:t>23.12.2022</a:t>
+              <a:t>24.12.2022</a:t>
             </a:fld>
             <a:endParaRPr lang="ru-RU"/>
           </a:p>
@@ -6548,7 +6620,7 @@
           <a:p>
             <a:fld id="{25F71D23-4195-46CC-8F3D-7E373298426C}" type="datetimeFigureOut">
               <a:rPr lang="ru-RU" smtClean="0"/>
-              <a:t>23.12.2022</a:t>
+              <a:t>24.12.2022</a:t>
             </a:fld>
             <a:endParaRPr lang="ru-RU"/>
           </a:p>
@@ -6962,7 +7034,7 @@
           <p:nvPr>
             <p:extLst>
               <p:ext uri="{D42A27DB-BD31-4B8C-83A1-F6EECF244321}">
-                <p14:modId xmlns:p14="http://schemas.microsoft.com/office/powerpoint/2010/main" val="448337566"/>
+                <p14:modId xmlns:p14="http://schemas.microsoft.com/office/powerpoint/2010/main" val="114398188"/>
               </p:ext>
             </p:extLst>
           </p:nvPr>
@@ -7988,7 +8060,7 @@
           <p:nvPr>
             <p:extLst>
               <p:ext uri="{D42A27DB-BD31-4B8C-83A1-F6EECF244321}">
-                <p14:modId xmlns:p14="http://schemas.microsoft.com/office/powerpoint/2010/main" val="1079878088"/>
+                <p14:modId xmlns:p14="http://schemas.microsoft.com/office/powerpoint/2010/main" val="1340376225"/>
               </p:ext>
             </p:extLst>
           </p:nvPr>
@@ -8270,7 +8342,7 @@
                         <a:rPr lang="ru-RU" sz="1400" i="1" u="none" strike="noStrike" baseline="0" dirty="0" smtClean="0">
                           <a:effectLst/>
                         </a:rPr>
-                        <a:t> июнь 2018г.</a:t>
+                        <a:t> октябрь 2019г.</a:t>
                       </a:r>
                       <a:endParaRPr lang="ru-RU" sz="1400" b="0" i="1" u="none" strike="noStrike" dirty="0">
                         <a:solidFill>
@@ -8331,7 +8403,7 @@
                       </a:endParaRPr>
                     </a:p>
                   </a:txBody>
-                  <a:tcPr marL="9525" marR="9525" marT="9525" marB="0" anchor="b"/>
+                  <a:tcPr marL="9525" marR="9525" marT="9525" marB="0"/>
                 </a:tc>
                 <a:extLst>
                   <a:ext uri="{0D108BD9-81ED-4DB2-BD59-A6C34878D82A}">
@@ -8409,7 +8481,7 @@
         </p:blipFill>
         <p:spPr>
           <a:xfrm>
-            <a:off x="8437671" y="332091"/>
+            <a:off x="7219406" y="315409"/>
             <a:ext cx="1389442" cy="1454068"/>
           </a:xfrm>
           <a:prstGeom prst="rect">
@@ -8434,13 +8506,13 @@
           <p:nvPr>
             <p:extLst>
               <p:ext uri="{D42A27DB-BD31-4B8C-83A1-F6EECF244321}">
-                <p14:modId xmlns:p14="http://schemas.microsoft.com/office/powerpoint/2010/main" val="98032545"/>
+                <p14:modId xmlns:p14="http://schemas.microsoft.com/office/powerpoint/2010/main" val="2041861618"/>
               </p:ext>
             </p:extLst>
           </p:nvPr>
         </p:nvGraphicFramePr>
         <p:xfrm>
-          <a:off x="8437671" y="1956815"/>
+          <a:off x="7219406" y="1971606"/>
           <a:ext cx="1389442" cy="952500"/>
         </p:xfrm>
         <a:graphic>
@@ -8590,36 +8662,6 @@
           </a:graphicData>
         </a:graphic>
       </p:graphicFrame>
-      <p:pic>
-        <p:nvPicPr>
-          <p:cNvPr id="2" name="Рисунок 1"/>
-          <p:cNvPicPr>
-            <a:picLocks noChangeAspect="1"/>
-          </p:cNvPicPr>
-          <p:nvPr/>
-        </p:nvPicPr>
-        <p:blipFill>
-          <a:blip r:embed="rId7" cstate="print">
-            <a:extLst>
-              <a:ext uri="{28A0092B-C50C-407E-A947-70E740481C1C}">
-                <a14:useLocalDpi xmlns:a14="http://schemas.microsoft.com/office/drawing/2010/main" val="0"/>
-              </a:ext>
-            </a:extLst>
-          </a:blip>
-          <a:stretch>
-            <a:fillRect/>
-          </a:stretch>
-        </p:blipFill>
-        <p:spPr>
-          <a:xfrm>
-            <a:off x="5857822" y="522266"/>
-            <a:ext cx="2032073" cy="2259665"/>
-          </a:xfrm>
-          <a:prstGeom prst="rect">
-            <a:avLst/>
-          </a:prstGeom>
-        </p:spPr>
-      </p:pic>
     </p:spTree>
     <p:extLst>
       <p:ext uri="{BB962C8B-B14F-4D97-AF65-F5344CB8AC3E}">
